--- a/Шаблон.pptx
+++ b/Шаблон.pptx
@@ -4549,7 +4549,7 @@
           <a:p>
             <a:pPr algn="just"/>
             <a:r>
-              <a:rPr lang="ru-RU" b="1" dirty="0">
+              <a:rPr lang="ru-RU" sz="2000" b="1" dirty="0">
                 <a:ln w="12700">
                   <a:solidFill>
                     <a:schemeClr val="tx2">
@@ -4574,10 +4574,10 @@
                 <a:latin typeface="Arial" panose="020B0604020202020204" pitchFamily="34" charset="0"/>
                 <a:cs typeface="Arial" panose="020B0604020202020204" pitchFamily="34" charset="0"/>
               </a:rPr>
-              <a:t>Основные фин. показатели (выручка, прибыль) </a:t>
-            </a:r>
-            <a:br>
-              <a:rPr lang="ru-RU" b="1" dirty="0">
+              <a:t>Основные фин. показатели (</a:t>
+            </a:r>
+            <a:r>
+              <a:rPr lang="ru-RU" sz="2000" b="1" dirty="0" smtClean="0">
                 <a:ln w="12700">
                   <a:solidFill>
                     <a:schemeClr val="tx2">
@@ -4602,9 +4602,10 @@
                 <a:latin typeface="Arial" panose="020B0604020202020204" pitchFamily="34" charset="0"/>
                 <a:cs typeface="Arial" panose="020B0604020202020204" pitchFamily="34" charset="0"/>
               </a:rPr>
-            </a:br>
-            <a:r>
-              <a:rPr lang="ru-RU" b="1" dirty="0">
+              <a:t>выручка,</a:t>
+            </a:r>
+            <a:r>
+              <a:rPr lang="en-US" sz="2000" b="1" dirty="0">
                 <a:ln w="12700">
                   <a:solidFill>
                     <a:schemeClr val="tx2">
@@ -4629,8 +4630,264 @@
                 <a:latin typeface="Arial" panose="020B0604020202020204" pitchFamily="34" charset="0"/>
                 <a:cs typeface="Arial" panose="020B0604020202020204" pitchFamily="34" charset="0"/>
               </a:rPr>
-              <a:t>Потенциал роста фин. показателей (в идеале с графиком) </a:t>
-            </a:r>
+              <a:t> </a:t>
+            </a:r>
+            <a:r>
+              <a:rPr lang="ru-RU" sz="2000" b="1" dirty="0" smtClean="0">
+                <a:ln w="12700">
+                  <a:solidFill>
+                    <a:schemeClr val="tx2">
+                      <a:satMod val="155000"/>
+                    </a:schemeClr>
+                  </a:solidFill>
+                  <a:prstDash val="solid"/>
+                </a:ln>
+                <a:solidFill>
+                  <a:schemeClr val="bg2">
+                    <a:tint val="85000"/>
+                    <a:satMod val="155000"/>
+                  </a:schemeClr>
+                </a:solidFill>
+                <a:effectLst>
+                  <a:outerShdw blurRad="41275" dist="20320" dir="1800000" algn="tl" rotWithShape="0">
+                    <a:srgbClr val="000000">
+                      <a:alpha val="40000"/>
+                    </a:srgbClr>
+                  </a:outerShdw>
+                </a:effectLst>
+                <a:latin typeface="Arial" panose="020B0604020202020204" pitchFamily="34" charset="0"/>
+                <a:cs typeface="Arial" panose="020B0604020202020204" pitchFamily="34" charset="0"/>
+              </a:rPr>
+              <a:t>прибыль</a:t>
+            </a:r>
+            <a:r>
+              <a:rPr lang="ru-RU" sz="2000" b="1" dirty="0">
+                <a:ln w="12700">
+                  <a:solidFill>
+                    <a:schemeClr val="tx2">
+                      <a:satMod val="155000"/>
+                    </a:schemeClr>
+                  </a:solidFill>
+                  <a:prstDash val="solid"/>
+                </a:ln>
+                <a:solidFill>
+                  <a:schemeClr val="bg2">
+                    <a:tint val="85000"/>
+                    <a:satMod val="155000"/>
+                  </a:schemeClr>
+                </a:solidFill>
+                <a:effectLst>
+                  <a:outerShdw blurRad="41275" dist="20320" dir="1800000" algn="tl" rotWithShape="0">
+                    <a:srgbClr val="000000">
+                      <a:alpha val="40000"/>
+                    </a:srgbClr>
+                  </a:outerShdw>
+                </a:effectLst>
+                <a:latin typeface="Arial" panose="020B0604020202020204" pitchFamily="34" charset="0"/>
+                <a:cs typeface="Arial" panose="020B0604020202020204" pitchFamily="34" charset="0"/>
+              </a:rPr>
+              <a:t>) </a:t>
+            </a:r>
+            <a:r>
+              <a:rPr lang="ru-RU" sz="2000" b="1" dirty="0" smtClean="0">
+                <a:ln w="12700">
+                  <a:solidFill>
+                    <a:schemeClr val="tx2">
+                      <a:satMod val="155000"/>
+                    </a:schemeClr>
+                  </a:solidFill>
+                  <a:prstDash val="solid"/>
+                </a:ln>
+                <a:solidFill>
+                  <a:schemeClr val="bg2">
+                    <a:tint val="85000"/>
+                    <a:satMod val="155000"/>
+                  </a:schemeClr>
+                </a:solidFill>
+                <a:effectLst>
+                  <a:outerShdw blurRad="41275" dist="20320" dir="1800000" algn="tl" rotWithShape="0">
+                    <a:srgbClr val="000000">
+                      <a:alpha val="40000"/>
+                    </a:srgbClr>
+                  </a:outerShdw>
+                </a:effectLst>
+                <a:latin typeface="Arial" panose="020B0604020202020204" pitchFamily="34" charset="0"/>
+                <a:cs typeface="Arial" panose="020B0604020202020204" pitchFamily="34" charset="0"/>
+              </a:rPr>
+              <a:t>Потенциал </a:t>
+            </a:r>
+            <a:r>
+              <a:rPr lang="ru-RU" sz="2000" b="1" dirty="0">
+                <a:ln w="12700">
+                  <a:solidFill>
+                    <a:schemeClr val="tx2">
+                      <a:satMod val="155000"/>
+                    </a:schemeClr>
+                  </a:solidFill>
+                  <a:prstDash val="solid"/>
+                </a:ln>
+                <a:solidFill>
+                  <a:schemeClr val="bg2">
+                    <a:tint val="85000"/>
+                    <a:satMod val="155000"/>
+                  </a:schemeClr>
+                </a:solidFill>
+                <a:effectLst>
+                  <a:outerShdw blurRad="41275" dist="20320" dir="1800000" algn="tl" rotWithShape="0">
+                    <a:srgbClr val="000000">
+                      <a:alpha val="40000"/>
+                    </a:srgbClr>
+                  </a:outerShdw>
+                </a:effectLst>
+                <a:latin typeface="Arial" panose="020B0604020202020204" pitchFamily="34" charset="0"/>
+                <a:cs typeface="Arial" panose="020B0604020202020204" pitchFamily="34" charset="0"/>
+              </a:rPr>
+              <a:t>роста фин. показателей (в идеале с графиком) </a:t>
+            </a:r>
+          </a:p>
+        </p:txBody>
+      </p:sp>
+      <p:sp>
+        <p:nvSpPr>
+          <p:cNvPr id="8" name="Овал 7"/>
+          <p:cNvSpPr/>
+          <p:nvPr/>
+        </p:nvSpPr>
+        <p:spPr>
+          <a:xfrm>
+            <a:off x="7526312" y="836711"/>
+            <a:ext cx="792088" cy="792088"/>
+          </a:xfrm>
+          <a:prstGeom prst="ellipse">
+            <a:avLst/>
+          </a:prstGeom>
+          <a:solidFill>
+            <a:srgbClr val="009A96"/>
+          </a:solidFill>
+          <a:ln>
+            <a:solidFill>
+              <a:srgbClr val="009A96"/>
+            </a:solidFill>
+          </a:ln>
+        </p:spPr>
+        <p:style>
+          <a:lnRef idx="2">
+            <a:schemeClr val="accent1">
+              <a:shade val="50000"/>
+            </a:schemeClr>
+          </a:lnRef>
+          <a:fillRef idx="1">
+            <a:schemeClr val="accent1"/>
+          </a:fillRef>
+          <a:effectRef idx="0">
+            <a:schemeClr val="accent1"/>
+          </a:effectRef>
+          <a:fontRef idx="minor">
+            <a:schemeClr val="lt1"/>
+          </a:fontRef>
+        </p:style>
+        <p:txBody>
+          <a:bodyPr rtlCol="0" anchor="ctr"/>
+          <a:lstStyle/>
+          <a:p>
+            <a:pPr algn="ctr"/>
+            <a:endParaRPr lang="ru-RU"/>
+          </a:p>
+        </p:txBody>
+      </p:sp>
+      <p:sp>
+        <p:nvSpPr>
+          <p:cNvPr id="10" name="Овал 9"/>
+          <p:cNvSpPr/>
+          <p:nvPr/>
+        </p:nvSpPr>
+        <p:spPr>
+          <a:xfrm>
+            <a:off x="8318400" y="288267"/>
+            <a:ext cx="548444" cy="548444"/>
+          </a:xfrm>
+          <a:prstGeom prst="ellipse">
+            <a:avLst/>
+          </a:prstGeom>
+          <a:solidFill>
+            <a:srgbClr val="009A96"/>
+          </a:solidFill>
+          <a:ln>
+            <a:solidFill>
+              <a:srgbClr val="009A96"/>
+            </a:solidFill>
+          </a:ln>
+        </p:spPr>
+        <p:style>
+          <a:lnRef idx="2">
+            <a:schemeClr val="accent1">
+              <a:shade val="50000"/>
+            </a:schemeClr>
+          </a:lnRef>
+          <a:fillRef idx="1">
+            <a:schemeClr val="accent1"/>
+          </a:fillRef>
+          <a:effectRef idx="0">
+            <a:schemeClr val="accent1"/>
+          </a:effectRef>
+          <a:fontRef idx="minor">
+            <a:schemeClr val="lt1"/>
+          </a:fontRef>
+        </p:style>
+        <p:txBody>
+          <a:bodyPr rtlCol="0" anchor="ctr"/>
+          <a:lstStyle/>
+          <a:p>
+            <a:pPr algn="ctr"/>
+            <a:endParaRPr lang="ru-RU"/>
+          </a:p>
+        </p:txBody>
+      </p:sp>
+      <p:sp>
+        <p:nvSpPr>
+          <p:cNvPr id="12" name="Овал 11"/>
+          <p:cNvSpPr/>
+          <p:nvPr/>
+        </p:nvSpPr>
+        <p:spPr>
+          <a:xfrm>
+            <a:off x="8470800" y="1083715"/>
+            <a:ext cx="298079" cy="298079"/>
+          </a:xfrm>
+          <a:prstGeom prst="ellipse">
+            <a:avLst/>
+          </a:prstGeom>
+          <a:solidFill>
+            <a:srgbClr val="009A96"/>
+          </a:solidFill>
+          <a:ln>
+            <a:solidFill>
+              <a:srgbClr val="009A96"/>
+            </a:solidFill>
+          </a:ln>
+        </p:spPr>
+        <p:style>
+          <a:lnRef idx="2">
+            <a:schemeClr val="accent1">
+              <a:shade val="50000"/>
+            </a:schemeClr>
+          </a:lnRef>
+          <a:fillRef idx="1">
+            <a:schemeClr val="accent1"/>
+          </a:fillRef>
+          <a:effectRef idx="0">
+            <a:schemeClr val="accent1"/>
+          </a:effectRef>
+          <a:fontRef idx="minor">
+            <a:schemeClr val="lt1"/>
+          </a:fontRef>
+        </p:style>
+        <p:txBody>
+          <a:bodyPr rtlCol="0" anchor="ctr"/>
+          <a:lstStyle/>
+          <a:p>
+            <a:pPr algn="ctr"/>
+            <a:endParaRPr lang="ru-RU"/>
           </a:p>
         </p:txBody>
       </p:sp>
